--- a/paper/Submissions/PlantCell/TPC accepted sub/Figures/Figure 7 ed.pptx
+++ b/paper/Submissions/PlantCell/TPC accepted sub/Figures/Figure 7 ed.pptx
@@ -209,7 +209,7 @@
           <a:p>
             <a:fld id="{5C565908-5270-4969-9DF6-BEB77AF8793D}" type="datetimeFigureOut">
               <a:rPr lang="en-US" smtClean="0"/>
-              <a:t>12/13/2018</a:t>
+              <a:t>12/14/2018</a:t>
             </a:fld>
             <a:endParaRPr lang="en-US"/>
           </a:p>
@@ -756,7 +756,7 @@
           <a:p>
             <a:fld id="{CCE36AD2-7272-43A5-83B9-65017B25DD9B}" type="datetimeFigureOut">
               <a:rPr lang="en-US" smtClean="0"/>
-              <a:t>12/13/2018</a:t>
+              <a:t>12/14/2018</a:t>
             </a:fld>
             <a:endParaRPr lang="en-US"/>
           </a:p>
@@ -924,7 +924,7 @@
           <a:p>
             <a:fld id="{CCE36AD2-7272-43A5-83B9-65017B25DD9B}" type="datetimeFigureOut">
               <a:rPr lang="en-US" smtClean="0"/>
-              <a:t>12/13/2018</a:t>
+              <a:t>12/14/2018</a:t>
             </a:fld>
             <a:endParaRPr lang="en-US"/>
           </a:p>
@@ -1102,7 +1102,7 @@
           <a:p>
             <a:fld id="{CCE36AD2-7272-43A5-83B9-65017B25DD9B}" type="datetimeFigureOut">
               <a:rPr lang="en-US" smtClean="0"/>
-              <a:t>12/13/2018</a:t>
+              <a:t>12/14/2018</a:t>
             </a:fld>
             <a:endParaRPr lang="en-US"/>
           </a:p>
@@ -1270,7 +1270,7 @@
           <a:p>
             <a:fld id="{CCE36AD2-7272-43A5-83B9-65017B25DD9B}" type="datetimeFigureOut">
               <a:rPr lang="en-US" smtClean="0"/>
-              <a:t>12/13/2018</a:t>
+              <a:t>12/14/2018</a:t>
             </a:fld>
             <a:endParaRPr lang="en-US"/>
           </a:p>
@@ -1515,7 +1515,7 @@
           <a:p>
             <a:fld id="{CCE36AD2-7272-43A5-83B9-65017B25DD9B}" type="datetimeFigureOut">
               <a:rPr lang="en-US" smtClean="0"/>
-              <a:t>12/13/2018</a:t>
+              <a:t>12/14/2018</a:t>
             </a:fld>
             <a:endParaRPr lang="en-US"/>
           </a:p>
@@ -1800,7 +1800,7 @@
           <a:p>
             <a:fld id="{CCE36AD2-7272-43A5-83B9-65017B25DD9B}" type="datetimeFigureOut">
               <a:rPr lang="en-US" smtClean="0"/>
-              <a:t>12/13/2018</a:t>
+              <a:t>12/14/2018</a:t>
             </a:fld>
             <a:endParaRPr lang="en-US"/>
           </a:p>
@@ -2219,7 +2219,7 @@
           <a:p>
             <a:fld id="{CCE36AD2-7272-43A5-83B9-65017B25DD9B}" type="datetimeFigureOut">
               <a:rPr lang="en-US" smtClean="0"/>
-              <a:t>12/13/2018</a:t>
+              <a:t>12/14/2018</a:t>
             </a:fld>
             <a:endParaRPr lang="en-US"/>
           </a:p>
@@ -2336,7 +2336,7 @@
           <a:p>
             <a:fld id="{CCE36AD2-7272-43A5-83B9-65017B25DD9B}" type="datetimeFigureOut">
               <a:rPr lang="en-US" smtClean="0"/>
-              <a:t>12/13/2018</a:t>
+              <a:t>12/14/2018</a:t>
             </a:fld>
             <a:endParaRPr lang="en-US"/>
           </a:p>
@@ -2431,7 +2431,7 @@
           <a:p>
             <a:fld id="{CCE36AD2-7272-43A5-83B9-65017B25DD9B}" type="datetimeFigureOut">
               <a:rPr lang="en-US" smtClean="0"/>
-              <a:t>12/13/2018</a:t>
+              <a:t>12/14/2018</a:t>
             </a:fld>
             <a:endParaRPr lang="en-US"/>
           </a:p>
@@ -2706,7 +2706,7 @@
           <a:p>
             <a:fld id="{CCE36AD2-7272-43A5-83B9-65017B25DD9B}" type="datetimeFigureOut">
               <a:rPr lang="en-US" smtClean="0"/>
-              <a:t>12/13/2018</a:t>
+              <a:t>12/14/2018</a:t>
             </a:fld>
             <a:endParaRPr lang="en-US"/>
           </a:p>
@@ -2958,7 +2958,7 @@
           <a:p>
             <a:fld id="{CCE36AD2-7272-43A5-83B9-65017B25DD9B}" type="datetimeFigureOut">
               <a:rPr lang="en-US" smtClean="0"/>
-              <a:t>12/13/2018</a:t>
+              <a:t>12/14/2018</a:t>
             </a:fld>
             <a:endParaRPr lang="en-US"/>
           </a:p>
@@ -3169,7 +3169,7 @@
           <a:p>
             <a:fld id="{CCE36AD2-7272-43A5-83B9-65017B25DD9B}" type="datetimeFigureOut">
               <a:rPr lang="en-US" smtClean="0"/>
-              <a:t>12/13/2018</a:t>
+              <a:t>12/14/2018</a:t>
             </a:fld>
             <a:endParaRPr lang="en-US"/>
           </a:p>
@@ -3546,7 +3546,13 @@
       </p:grpSpPr>
       <p:grpSp>
         <p:nvGrpSpPr>
-          <p:cNvPr id="3" name="Group 2"/>
+          <p:cNvPr id="10" name="Group 9">
+            <a:extLst>
+              <a:ext uri="{FF2B5EF4-FFF2-40B4-BE49-F238E27FC236}">
+                <a16:creationId xmlns:a16="http://schemas.microsoft.com/office/drawing/2014/main" id="{82FF1B5B-3DB4-41ED-B8EB-4887E326BDB9}"/>
+              </a:ext>
+            </a:extLst>
+          </p:cNvPr>
           <p:cNvGrpSpPr/>
           <p:nvPr/>
         </p:nvGrpSpPr>
@@ -3558,148 +3564,349 @@
             <a:chExt cx="6858000" cy="9058230"/>
           </a:xfrm>
         </p:grpSpPr>
-        <p:pic>
-          <p:nvPicPr>
-            <p:cNvPr id="1026" name="Picture 2"/>
-            <p:cNvPicPr>
-              <a:picLocks noChangeAspect="1" noChangeArrowheads="1"/>
-            </p:cNvPicPr>
+        <p:grpSp>
+          <p:nvGrpSpPr>
+            <p:cNvPr id="3" name="Group 2"/>
+            <p:cNvGrpSpPr/>
             <p:nvPr/>
-          </p:nvPicPr>
-          <p:blipFill rotWithShape="1">
-            <a:blip r:embed="rId3">
+          </p:nvGrpSpPr>
+          <p:grpSpPr>
+            <a:xfrm>
+              <a:off x="0" y="17981"/>
+              <a:ext cx="6858000" cy="9058230"/>
+              <a:chOff x="0" y="17981"/>
+              <a:chExt cx="6858000" cy="9058230"/>
+            </a:xfrm>
+          </p:grpSpPr>
+          <p:pic>
+            <p:nvPicPr>
+              <p:cNvPr id="1026" name="Picture 2"/>
+              <p:cNvPicPr>
+                <a:picLocks noChangeAspect="1" noChangeArrowheads="1"/>
+              </p:cNvPicPr>
+              <p:nvPr/>
+            </p:nvPicPr>
+            <p:blipFill rotWithShape="1">
+              <a:blip r:embed="rId3">
+                <a:extLst>
+                  <a:ext uri="{28A0092B-C50C-407E-A947-70E740481C1C}">
+                    <a14:useLocalDpi xmlns:a14="http://schemas.microsoft.com/office/drawing/2010/main" val="0"/>
+                  </a:ext>
+                </a:extLst>
+              </a:blip>
+              <a:srcRect l="16047" t="12792" r="11417" b="11572"/>
+              <a:stretch/>
+            </p:blipFill>
+            <p:spPr bwMode="auto">
+              <a:xfrm>
+                <a:off x="3298834" y="5185548"/>
+                <a:ext cx="3515762" cy="3666009"/>
+              </a:xfrm>
+              <a:prstGeom prst="rect">
+                <a:avLst/>
+              </a:prstGeom>
+              <a:noFill/>
+              <a:ln>
+                <a:noFill/>
+              </a:ln>
               <a:extLst>
-                <a:ext uri="{28A0092B-C50C-407E-A947-70E740481C1C}">
-                  <a14:useLocalDpi xmlns:a14="http://schemas.microsoft.com/office/drawing/2010/main" val="0"/>
+                <a:ext uri="{909E8E84-426E-40DD-AFC4-6F175D3DCCD1}">
+                  <a14:hiddenFill xmlns:a14="http://schemas.microsoft.com/office/drawing/2010/main">
+                    <a:solidFill>
+                      <a:schemeClr val="accent1"/>
+                    </a:solidFill>
+                  </a14:hiddenFill>
+                </a:ext>
+                <a:ext uri="{91240B29-F687-4F45-9708-019B960494DF}">
+                  <a14:hiddenLine xmlns:a14="http://schemas.microsoft.com/office/drawing/2010/main" w="9525">
+                    <a:solidFill>
+                      <a:schemeClr val="tx1"/>
+                    </a:solidFill>
+                    <a:miter lim="800000"/>
+                    <a:headEnd/>
+                    <a:tailEnd/>
+                  </a14:hiddenLine>
                 </a:ext>
               </a:extLst>
-            </a:blip>
-            <a:srcRect l="16047" t="12792" r="11417" b="11572"/>
-            <a:stretch/>
-          </p:blipFill>
-          <p:spPr bwMode="auto">
+            </p:spPr>
+          </p:pic>
+          <p:pic>
+            <p:nvPicPr>
+              <p:cNvPr id="4" name="Picture 3" descr="C:\Users\nesoltis\Documents\Projects\BcSolGWAS\paper\plots\ActualPaper\FigR8\Venn_SNPs_10NA_numbered.png"/>
+              <p:cNvPicPr>
+                <a:picLocks noChangeAspect="1" noChangeArrowheads="1"/>
+              </p:cNvPicPr>
+              <p:nvPr/>
+            </p:nvPicPr>
+            <p:blipFill rotWithShape="1">
+              <a:blip r:embed="rId4">
+                <a:extLst>
+                  <a:ext uri="{28A0092B-C50C-407E-A947-70E740481C1C}">
+                    <a14:useLocalDpi xmlns:a14="http://schemas.microsoft.com/office/drawing/2010/main" val="0"/>
+                  </a:ext>
+                </a:extLst>
+              </a:blip>
+              <a:srcRect l="17014" t="4861" r="6294" b="4146"/>
+              <a:stretch/>
+            </p:blipFill>
+            <p:spPr bwMode="auto">
+              <a:xfrm>
+                <a:off x="0" y="5062112"/>
+                <a:ext cx="3383280" cy="4014099"/>
+              </a:xfrm>
+              <a:prstGeom prst="rect">
+                <a:avLst/>
+              </a:prstGeom>
+              <a:noFill/>
+              <a:extLst>
+                <a:ext uri="{909E8E84-426E-40DD-AFC4-6F175D3DCCD1}">
+                  <a14:hiddenFill xmlns:a14="http://schemas.microsoft.com/office/drawing/2010/main">
+                    <a:solidFill>
+                      <a:srgbClr val="FFFFFF"/>
+                    </a:solidFill>
+                  </a14:hiddenFill>
+                </a:ext>
+              </a:extLst>
+            </p:spPr>
+          </p:pic>
+          <p:pic>
+            <p:nvPicPr>
+              <p:cNvPr id="2" name="Picture 2" descr="C:\Users\nesoltis\Documents\Projects\BcSolGWAS\paper\plots\ActualPaper\FigR8\FigR8_SlBc_trueMAF20_10NA_domest.ManhattanPlot.jpg"/>
+              <p:cNvPicPr>
+                <a:picLocks noChangeAspect="1" noChangeArrowheads="1"/>
+              </p:cNvPicPr>
+              <p:nvPr/>
+            </p:nvPicPr>
+            <p:blipFill>
+              <a:blip r:embed="rId5" cstate="print">
+                <a:extLst>
+                  <a:ext uri="{28A0092B-C50C-407E-A947-70E740481C1C}">
+                    <a14:useLocalDpi xmlns:a14="http://schemas.microsoft.com/office/drawing/2010/main" val="0"/>
+                  </a:ext>
+                </a:extLst>
+              </a:blip>
+              <a:srcRect/>
+              <a:stretch>
+                <a:fillRect/>
+              </a:stretch>
+            </p:blipFill>
+            <p:spPr bwMode="auto">
+              <a:xfrm>
+                <a:off x="0" y="147185"/>
+                <a:ext cx="6858000" cy="4572000"/>
+              </a:xfrm>
+              <a:prstGeom prst="rect">
+                <a:avLst/>
+              </a:prstGeom>
+              <a:noFill/>
+              <a:extLst>
+                <a:ext uri="{909E8E84-426E-40DD-AFC4-6F175D3DCCD1}">
+                  <a14:hiddenFill xmlns:a14="http://schemas.microsoft.com/office/drawing/2010/main">
+                    <a:solidFill>
+                      <a:srgbClr val="FFFFFF"/>
+                    </a:solidFill>
+                  </a14:hiddenFill>
+                </a:ext>
+              </a:extLst>
+            </p:spPr>
+          </p:pic>
+          <p:sp>
+            <p:nvSpPr>
+              <p:cNvPr id="5" name="TextBox 4"/>
+              <p:cNvSpPr txBox="1"/>
+              <p:nvPr/>
+            </p:nvSpPr>
+            <p:spPr>
+              <a:xfrm>
+                <a:off x="23327" y="17981"/>
+                <a:ext cx="298480" cy="369332"/>
+              </a:xfrm>
+              <a:prstGeom prst="rect">
+                <a:avLst/>
+              </a:prstGeom>
+              <a:noFill/>
+            </p:spPr>
+            <p:txBody>
+              <a:bodyPr wrap="none" rtlCol="0">
+                <a:spAutoFit/>
+              </a:bodyPr>
+              <a:lstStyle/>
+              <a:p>
+                <a:r>
+                  <a:rPr lang="en-US" b="1" dirty="0"/>
+                  <a:t>a</a:t>
+                </a:r>
+              </a:p>
+            </p:txBody>
+          </p:sp>
+          <p:sp>
+            <p:nvSpPr>
+              <p:cNvPr id="7" name="TextBox 6"/>
+              <p:cNvSpPr txBox="1"/>
+              <p:nvPr/>
+            </p:nvSpPr>
+            <p:spPr>
+              <a:xfrm>
+                <a:off x="0" y="4885141"/>
+                <a:ext cx="308098" cy="369332"/>
+              </a:xfrm>
+              <a:prstGeom prst="rect">
+                <a:avLst/>
+              </a:prstGeom>
+              <a:noFill/>
+            </p:spPr>
+            <p:txBody>
+              <a:bodyPr wrap="none" rtlCol="0">
+                <a:spAutoFit/>
+              </a:bodyPr>
+              <a:lstStyle/>
+              <a:p>
+                <a:r>
+                  <a:rPr lang="en-US" b="1" dirty="0"/>
+                  <a:t>b</a:t>
+                </a:r>
+              </a:p>
+            </p:txBody>
+          </p:sp>
+          <p:sp>
+            <p:nvSpPr>
+              <p:cNvPr id="8" name="TextBox 7"/>
+              <p:cNvSpPr txBox="1"/>
+              <p:nvPr/>
+            </p:nvSpPr>
+            <p:spPr>
+              <a:xfrm>
+                <a:off x="3432500" y="4903857"/>
+                <a:ext cx="280846" cy="369332"/>
+              </a:xfrm>
+              <a:prstGeom prst="rect">
+                <a:avLst/>
+              </a:prstGeom>
+              <a:noFill/>
+            </p:spPr>
+            <p:txBody>
+              <a:bodyPr wrap="none" rtlCol="0">
+                <a:spAutoFit/>
+              </a:bodyPr>
+              <a:lstStyle/>
+              <a:p>
+                <a:r>
+                  <a:rPr lang="en-US" b="1" dirty="0"/>
+                  <a:t>c</a:t>
+                </a:r>
+              </a:p>
+            </p:txBody>
+          </p:sp>
+          <p:pic>
+            <p:nvPicPr>
+              <p:cNvPr id="1031" name="Picture 7" descr="C:\Users\nesoltis\Documents\Projects\BcSolGWAS\paper\plots\ActualPaper\FigR8\FigR8_Sl_legend.jpg"/>
+              <p:cNvPicPr>
+                <a:picLocks noChangeAspect="1" noChangeArrowheads="1"/>
+              </p:cNvPicPr>
+              <p:nvPr/>
+            </p:nvPicPr>
+            <p:blipFill rotWithShape="1">
+              <a:blip r:embed="rId6" cstate="print">
+                <a:extLst>
+                  <a:ext uri="{28A0092B-C50C-407E-A947-70E740481C1C}">
+                    <a14:useLocalDpi xmlns:a14="http://schemas.microsoft.com/office/drawing/2010/main" val="0"/>
+                  </a:ext>
+                </a:extLst>
+              </a:blip>
+              <a:srcRect l="81761" t="27706" b="56450"/>
+              <a:stretch/>
+            </p:blipFill>
+            <p:spPr bwMode="auto">
+              <a:xfrm>
+                <a:off x="5478438" y="3429000"/>
+                <a:ext cx="1250868" cy="724396"/>
+              </a:xfrm>
+              <a:prstGeom prst="rect">
+                <a:avLst/>
+              </a:prstGeom>
+              <a:noFill/>
+              <a:extLst>
+                <a:ext uri="{909E8E84-426E-40DD-AFC4-6F175D3DCCD1}">
+                  <a14:hiddenFill xmlns:a14="http://schemas.microsoft.com/office/drawing/2010/main">
+                    <a:solidFill>
+                      <a:srgbClr val="FFFFFF"/>
+                    </a:solidFill>
+                  </a14:hiddenFill>
+                </a:ext>
+              </a:extLst>
+            </p:spPr>
+          </p:pic>
+        </p:grpSp>
+        <p:sp>
+          <p:nvSpPr>
+            <p:cNvPr id="6" name="Rectangle 5">
+              <a:extLst>
+                <a:ext uri="{FF2B5EF4-FFF2-40B4-BE49-F238E27FC236}">
+                  <a16:creationId xmlns:a16="http://schemas.microsoft.com/office/drawing/2014/main" id="{7064235A-F5E8-46A5-A45B-5ADA444165CD}"/>
+                </a:ext>
+              </a:extLst>
+            </p:cNvPr>
+            <p:cNvSpPr/>
+            <p:nvPr/>
+          </p:nvSpPr>
+          <p:spPr>
             <a:xfrm>
-              <a:off x="3298834" y="5185548"/>
-              <a:ext cx="3515762" cy="3666009"/>
+              <a:off x="349010" y="915963"/>
+              <a:ext cx="363993" cy="2590800"/>
             </a:xfrm>
             <a:prstGeom prst="rect">
               <a:avLst/>
             </a:prstGeom>
-            <a:noFill/>
+            <a:solidFill>
+              <a:schemeClr val="bg1"/>
+            </a:solidFill>
             <a:ln>
-              <a:noFill/>
+              <a:solidFill>
+                <a:schemeClr val="bg1"/>
+              </a:solidFill>
             </a:ln>
-            <a:extLst>
-              <a:ext uri="{909E8E84-426E-40DD-AFC4-6F175D3DCCD1}">
-                <a14:hiddenFill xmlns:a14="http://schemas.microsoft.com/office/drawing/2010/main">
-                  <a:solidFill>
-                    <a:schemeClr val="accent1"/>
-                  </a:solidFill>
-                </a14:hiddenFill>
-              </a:ext>
-              <a:ext uri="{91240B29-F687-4F45-9708-019B960494DF}">
-                <a14:hiddenLine xmlns:a14="http://schemas.microsoft.com/office/drawing/2010/main" w="9525">
-                  <a:solidFill>
-                    <a:schemeClr val="tx1"/>
-                  </a:solidFill>
-                  <a:miter lim="800000"/>
-                  <a:headEnd/>
-                  <a:tailEnd/>
-                </a14:hiddenLine>
-              </a:ext>
-            </a:extLst>
           </p:spPr>
-        </p:pic>
-        <p:pic>
-          <p:nvPicPr>
-            <p:cNvPr id="4" name="Picture 3" descr="C:\Users\nesoltis\Documents\Projects\BcSolGWAS\paper\plots\ActualPaper\FigR8\Venn_SNPs_10NA_numbered.png"/>
-            <p:cNvPicPr>
-              <a:picLocks noChangeAspect="1" noChangeArrowheads="1"/>
-            </p:cNvPicPr>
-            <p:nvPr/>
-          </p:nvPicPr>
-          <p:blipFill rotWithShape="1">
-            <a:blip r:embed="rId4">
+          <p:style>
+            <a:lnRef idx="2">
+              <a:schemeClr val="accent1">
+                <a:shade val="50000"/>
+              </a:schemeClr>
+            </a:lnRef>
+            <a:fillRef idx="1">
+              <a:schemeClr val="accent1"/>
+            </a:fillRef>
+            <a:effectRef idx="0">
+              <a:schemeClr val="accent1"/>
+            </a:effectRef>
+            <a:fontRef idx="minor">
+              <a:schemeClr val="lt1"/>
+            </a:fontRef>
+          </p:style>
+          <p:txBody>
+            <a:bodyPr rtlCol="0" anchor="ctr"/>
+            <a:lstStyle/>
+            <a:p>
+              <a:pPr algn="ctr"/>
+              <a:endParaRPr lang="en-US"/>
+            </a:p>
+          </p:txBody>
+        </p:sp>
+        <p:sp>
+          <p:nvSpPr>
+            <p:cNvPr id="9" name="TextBox 8">
               <a:extLst>
-                <a:ext uri="{28A0092B-C50C-407E-A947-70E740481C1C}">
-                  <a14:useLocalDpi xmlns:a14="http://schemas.microsoft.com/office/drawing/2010/main" val="0"/>
+                <a:ext uri="{FF2B5EF4-FFF2-40B4-BE49-F238E27FC236}">
+                  <a16:creationId xmlns:a16="http://schemas.microsoft.com/office/drawing/2014/main" id="{5FA3A169-C556-4FB6-BDE8-315E819A9839}"/>
                 </a:ext>
               </a:extLst>
-            </a:blip>
-            <a:srcRect l="17014" t="4861" r="6294" b="4146"/>
-            <a:stretch/>
-          </p:blipFill>
-          <p:spPr bwMode="auto">
-            <a:xfrm>
-              <a:off x="0" y="5062112"/>
-              <a:ext cx="3383280" cy="4014099"/>
-            </a:xfrm>
-            <a:prstGeom prst="rect">
-              <a:avLst/>
-            </a:prstGeom>
-            <a:noFill/>
-            <a:extLst>
-              <a:ext uri="{909E8E84-426E-40DD-AFC4-6F175D3DCCD1}">
-                <a14:hiddenFill xmlns:a14="http://schemas.microsoft.com/office/drawing/2010/main">
-                  <a:solidFill>
-                    <a:srgbClr val="FFFFFF"/>
-                  </a:solidFill>
-                </a14:hiddenFill>
-              </a:ext>
-            </a:extLst>
-          </p:spPr>
-        </p:pic>
-        <p:pic>
-          <p:nvPicPr>
-            <p:cNvPr id="2" name="Picture 2" descr="C:\Users\nesoltis\Documents\Projects\BcSolGWAS\paper\plots\ActualPaper\FigR8\FigR8_SlBc_trueMAF20_10NA_domest.ManhattanPlot.jpg"/>
-            <p:cNvPicPr>
-              <a:picLocks noChangeAspect="1" noChangeArrowheads="1"/>
-            </p:cNvPicPr>
-            <p:nvPr/>
-          </p:nvPicPr>
-          <p:blipFill>
-            <a:blip r:embed="rId5" cstate="print">
-              <a:extLst>
-                <a:ext uri="{28A0092B-C50C-407E-A947-70E740481C1C}">
-                  <a14:useLocalDpi xmlns:a14="http://schemas.microsoft.com/office/drawing/2010/main" val="0"/>
-                </a:ext>
-              </a:extLst>
-            </a:blip>
-            <a:srcRect/>
-            <a:stretch>
-              <a:fillRect/>
-            </a:stretch>
-          </p:blipFill>
-          <p:spPr bwMode="auto">
-            <a:xfrm>
-              <a:off x="0" y="147185"/>
-              <a:ext cx="6858000" cy="4572000"/>
-            </a:xfrm>
-            <a:prstGeom prst="rect">
-              <a:avLst/>
-            </a:prstGeom>
-            <a:noFill/>
-            <a:extLst>
-              <a:ext uri="{909E8E84-426E-40DD-AFC4-6F175D3DCCD1}">
-                <a14:hiddenFill xmlns:a14="http://schemas.microsoft.com/office/drawing/2010/main">
-                  <a:solidFill>
-                    <a:srgbClr val="FFFFFF"/>
-                  </a:solidFill>
-                </a14:hiddenFill>
-              </a:ext>
-            </a:extLst>
-          </p:spPr>
-        </p:pic>
-        <p:sp>
-          <p:nvSpPr>
-            <p:cNvPr id="5" name="TextBox 4"/>
+            </p:cNvPr>
             <p:cNvSpPr txBox="1"/>
             <p:nvPr/>
           </p:nvSpPr>
           <p:spPr>
             <a:xfrm>
-              <a:off x="23327" y="17981"/>
-              <a:ext cx="298480" cy="369332"/>
+              <a:off x="201349" y="1032980"/>
+              <a:ext cx="607859" cy="246221"/>
             </a:xfrm>
             <a:prstGeom prst="rect">
               <a:avLst/>
@@ -3713,22 +3920,38 @@
             <a:lstStyle/>
             <a:p>
               <a:r>
-                <a:rPr lang="en-US" b="1" dirty="0"/>
-                <a:t>a</a:t>
+                <a:rPr lang="en-US" sz="1000" dirty="0">
+                  <a:latin typeface="Arial" panose="020B0604020202020204" pitchFamily="34" charset="0"/>
+                  <a:cs typeface="Arial" panose="020B0604020202020204" pitchFamily="34" charset="0"/>
+                </a:rPr>
+                <a:t>1 x 10</a:t>
+              </a:r>
+              <a:r>
+                <a:rPr lang="en-US" sz="1000" baseline="30000" dirty="0">
+                  <a:latin typeface="Arial" panose="020B0604020202020204" pitchFamily="34" charset="0"/>
+                  <a:cs typeface="Arial" panose="020B0604020202020204" pitchFamily="34" charset="0"/>
+                </a:rPr>
+                <a:t>-4</a:t>
               </a:r>
             </a:p>
           </p:txBody>
         </p:sp>
         <p:sp>
           <p:nvSpPr>
-            <p:cNvPr id="7" name="TextBox 6"/>
+            <p:cNvPr id="12" name="TextBox 11">
+              <a:extLst>
+                <a:ext uri="{FF2B5EF4-FFF2-40B4-BE49-F238E27FC236}">
+                  <a16:creationId xmlns:a16="http://schemas.microsoft.com/office/drawing/2014/main" id="{37D59D15-1119-4C25-A23C-041FDCA377F9}"/>
+                </a:ext>
+              </a:extLst>
+            </p:cNvPr>
             <p:cNvSpPr txBox="1"/>
             <p:nvPr/>
           </p:nvSpPr>
           <p:spPr>
             <a:xfrm>
-              <a:off x="0" y="4885141"/>
-              <a:ext cx="308098" cy="369332"/>
+              <a:off x="158068" y="3160396"/>
+              <a:ext cx="651140" cy="246221"/>
             </a:xfrm>
             <a:prstGeom prst="rect">
               <a:avLst/>
@@ -3742,22 +3965,38 @@
             <a:lstStyle/>
             <a:p>
               <a:r>
-                <a:rPr lang="en-US" b="1" dirty="0"/>
-                <a:t>b</a:t>
+                <a:rPr lang="en-US" sz="1000" dirty="0">
+                  <a:latin typeface="Arial" panose="020B0604020202020204" pitchFamily="34" charset="0"/>
+                  <a:cs typeface="Arial" panose="020B0604020202020204" pitchFamily="34" charset="0"/>
+                </a:rPr>
+                <a:t>-1 x 10</a:t>
+              </a:r>
+              <a:r>
+                <a:rPr lang="en-US" sz="1000" baseline="30000" dirty="0">
+                  <a:latin typeface="Arial" panose="020B0604020202020204" pitchFamily="34" charset="0"/>
+                  <a:cs typeface="Arial" panose="020B0604020202020204" pitchFamily="34" charset="0"/>
+                </a:rPr>
+                <a:t>-4</a:t>
               </a:r>
             </a:p>
           </p:txBody>
         </p:sp>
         <p:sp>
           <p:nvSpPr>
-            <p:cNvPr id="8" name="TextBox 7"/>
+            <p:cNvPr id="13" name="TextBox 12">
+              <a:extLst>
+                <a:ext uri="{FF2B5EF4-FFF2-40B4-BE49-F238E27FC236}">
+                  <a16:creationId xmlns:a16="http://schemas.microsoft.com/office/drawing/2014/main" id="{2F15E2D5-FEC7-483A-BAD3-AD9ACF2CB4B9}"/>
+                </a:ext>
+              </a:extLst>
+            </p:cNvPr>
             <p:cNvSpPr txBox="1"/>
             <p:nvPr/>
           </p:nvSpPr>
           <p:spPr>
             <a:xfrm>
-              <a:off x="3432500" y="4903857"/>
-              <a:ext cx="280846" cy="369332"/>
+              <a:off x="554010" y="2075967"/>
+              <a:ext cx="255198" cy="246221"/>
             </a:xfrm>
             <a:prstGeom prst="rect">
               <a:avLst/>
@@ -3771,106 +4010,20 @@
             <a:lstStyle/>
             <a:p>
               <a:r>
-                <a:rPr lang="en-US" b="1" dirty="0"/>
-                <a:t>c</a:t>
+                <a:rPr lang="en-US" sz="1000" dirty="0">
+                  <a:latin typeface="Arial" panose="020B0604020202020204" pitchFamily="34" charset="0"/>
+                  <a:cs typeface="Arial" panose="020B0604020202020204" pitchFamily="34" charset="0"/>
+                </a:rPr>
+                <a:t>0</a:t>
               </a:r>
+              <a:endParaRPr lang="en-US" sz="1000" baseline="30000" dirty="0">
+                <a:latin typeface="Arial" panose="020B0604020202020204" pitchFamily="34" charset="0"/>
+                <a:cs typeface="Arial" panose="020B0604020202020204" pitchFamily="34" charset="0"/>
+              </a:endParaRPr>
             </a:p>
           </p:txBody>
         </p:sp>
-        <p:pic>
-          <p:nvPicPr>
-            <p:cNvPr id="1031" name="Picture 7" descr="C:\Users\nesoltis\Documents\Projects\BcSolGWAS\paper\plots\ActualPaper\FigR8\FigR8_Sl_legend.jpg"/>
-            <p:cNvPicPr>
-              <a:picLocks noChangeAspect="1" noChangeArrowheads="1"/>
-            </p:cNvPicPr>
-            <p:nvPr/>
-          </p:nvPicPr>
-          <p:blipFill rotWithShape="1">
-            <a:blip r:embed="rId6" cstate="print">
-              <a:extLst>
-                <a:ext uri="{28A0092B-C50C-407E-A947-70E740481C1C}">
-                  <a14:useLocalDpi xmlns:a14="http://schemas.microsoft.com/office/drawing/2010/main" val="0"/>
-                </a:ext>
-              </a:extLst>
-            </a:blip>
-            <a:srcRect l="81761" t="27706" b="56450"/>
-            <a:stretch/>
-          </p:blipFill>
-          <p:spPr bwMode="auto">
-            <a:xfrm>
-              <a:off x="5478438" y="3429000"/>
-              <a:ext cx="1250868" cy="724396"/>
-            </a:xfrm>
-            <a:prstGeom prst="rect">
-              <a:avLst/>
-            </a:prstGeom>
-            <a:noFill/>
-            <a:extLst>
-              <a:ext uri="{909E8E84-426E-40DD-AFC4-6F175D3DCCD1}">
-                <a14:hiddenFill xmlns:a14="http://schemas.microsoft.com/office/drawing/2010/main">
-                  <a:solidFill>
-                    <a:srgbClr val="FFFFFF"/>
-                  </a:solidFill>
-                </a14:hiddenFill>
-              </a:ext>
-            </a:extLst>
-          </p:spPr>
-        </p:pic>
       </p:grpSp>
-      <p:sp>
-        <p:nvSpPr>
-          <p:cNvPr id="6" name="Rectangle 5">
-            <a:extLst>
-              <a:ext uri="{FF2B5EF4-FFF2-40B4-BE49-F238E27FC236}">
-                <a16:creationId xmlns:a16="http://schemas.microsoft.com/office/drawing/2014/main" id="{7064235A-F5E8-46A5-A45B-5ADA444165CD}"/>
-              </a:ext>
-            </a:extLst>
-          </p:cNvPr>
-          <p:cNvSpPr/>
-          <p:nvPr/>
-        </p:nvSpPr>
-        <p:spPr>
-          <a:xfrm>
-            <a:off x="321807" y="2133600"/>
-            <a:ext cx="298480" cy="152400"/>
-          </a:xfrm>
-          <a:prstGeom prst="rect">
-            <a:avLst/>
-          </a:prstGeom>
-          <a:solidFill>
-            <a:schemeClr val="bg1"/>
-          </a:solidFill>
-          <a:ln>
-            <a:solidFill>
-              <a:schemeClr val="bg1"/>
-            </a:solidFill>
-          </a:ln>
-        </p:spPr>
-        <p:style>
-          <a:lnRef idx="2">
-            <a:schemeClr val="accent1">
-              <a:shade val="50000"/>
-            </a:schemeClr>
-          </a:lnRef>
-          <a:fillRef idx="1">
-            <a:schemeClr val="accent1"/>
-          </a:fillRef>
-          <a:effectRef idx="0">
-            <a:schemeClr val="accent1"/>
-          </a:effectRef>
-          <a:fontRef idx="minor">
-            <a:schemeClr val="lt1"/>
-          </a:fontRef>
-        </p:style>
-        <p:txBody>
-          <a:bodyPr rtlCol="0" anchor="ctr"/>
-          <a:lstStyle/>
-          <a:p>
-            <a:pPr algn="ctr"/>
-            <a:endParaRPr lang="en-US"/>
-          </a:p>
-        </p:txBody>
-      </p:sp>
     </p:spTree>
     <p:extLst>
       <p:ext uri="{BB962C8B-B14F-4D97-AF65-F5344CB8AC3E}">
